--- a/스토리보드.ppt.pptx
+++ b/스토리보드.ppt.pptx
@@ -311,7 +311,7 @@
           <a:p>
             <a:fld id="{F8166F1F-CE9B-4651-A6AA-CD717754106B}" type="datetimeFigureOut">
               <a:rPr lang="en-US" smtClean="0"/>
-              <a:t>6/23/2022</a:t>
+              <a:t>6/29/2022</a:t>
             </a:fld>
             <a:endParaRPr lang="en-US"/>
           </a:p>
@@ -476,7 +476,7 @@
           <a:p>
             <a:fld id="{A76116CE-C4A3-4A05-B2D7-7C2E9A889C0F}" type="datetimeFigureOut">
               <a:rPr lang="en-US" smtClean="0"/>
-              <a:t>6/23/2022</a:t>
+              <a:t>6/29/2022</a:t>
             </a:fld>
             <a:endParaRPr lang="en-US"/>
           </a:p>
@@ -651,7 +651,7 @@
           <a:p>
             <a:fld id="{A76116CE-C4A3-4A05-B2D7-7C2E9A889C0F}" type="datetimeFigureOut">
               <a:rPr lang="en-US" smtClean="0"/>
-              <a:t>6/23/2022</a:t>
+              <a:t>6/29/2022</a:t>
             </a:fld>
             <a:endParaRPr lang="en-US"/>
           </a:p>
@@ -818,7 +818,7 @@
           <a:p>
             <a:fld id="{A76116CE-C4A3-4A05-B2D7-7C2E9A889C0F}" type="datetimeFigureOut">
               <a:rPr lang="en-US" smtClean="0"/>
-              <a:t>6/23/2022</a:t>
+              <a:t>6/29/2022</a:t>
             </a:fld>
             <a:endParaRPr lang="en-US"/>
           </a:p>
@@ -1059,7 +1059,7 @@
           <a:p>
             <a:fld id="{A76116CE-C4A3-4A05-B2D7-7C2E9A889C0F}" type="datetimeFigureOut">
               <a:rPr lang="en-US" smtClean="0"/>
-              <a:t>6/23/2022</a:t>
+              <a:t>6/29/2022</a:t>
             </a:fld>
             <a:endParaRPr lang="en-US"/>
           </a:p>
@@ -1342,7 +1342,7 @@
           <a:p>
             <a:fld id="{A76116CE-C4A3-4A05-B2D7-7C2E9A889C0F}" type="datetimeFigureOut">
               <a:rPr lang="en-US" smtClean="0"/>
-              <a:t>6/23/2022</a:t>
+              <a:t>6/29/2022</a:t>
             </a:fld>
             <a:endParaRPr lang="en-US"/>
           </a:p>
@@ -1759,7 +1759,7 @@
           <a:p>
             <a:fld id="{A76116CE-C4A3-4A05-B2D7-7C2E9A889C0F}" type="datetimeFigureOut">
               <a:rPr lang="en-US" smtClean="0"/>
-              <a:t>6/23/2022</a:t>
+              <a:t>6/29/2022</a:t>
             </a:fld>
             <a:endParaRPr lang="en-US"/>
           </a:p>
@@ -1872,7 +1872,7 @@
           <a:p>
             <a:fld id="{A76116CE-C4A3-4A05-B2D7-7C2E9A889C0F}" type="datetimeFigureOut">
               <a:rPr lang="en-US" smtClean="0"/>
-              <a:t>6/23/2022</a:t>
+              <a:t>6/29/2022</a:t>
             </a:fld>
             <a:endParaRPr lang="en-US"/>
           </a:p>
@@ -1962,7 +1962,7 @@
           <a:p>
             <a:fld id="{A76116CE-C4A3-4A05-B2D7-7C2E9A889C0F}" type="datetimeFigureOut">
               <a:rPr lang="en-US" smtClean="0"/>
-              <a:t>6/23/2022</a:t>
+              <a:t>6/29/2022</a:t>
             </a:fld>
             <a:endParaRPr lang="en-US"/>
           </a:p>
@@ -2234,7 +2234,7 @@
           <a:p>
             <a:fld id="{A76116CE-C4A3-4A05-B2D7-7C2E9A889C0F}" type="datetimeFigureOut">
               <a:rPr lang="en-US" smtClean="0"/>
-              <a:t>6/23/2022</a:t>
+              <a:t>6/29/2022</a:t>
             </a:fld>
             <a:endParaRPr lang="en-US"/>
           </a:p>
@@ -2482,7 +2482,7 @@
           <a:p>
             <a:fld id="{A76116CE-C4A3-4A05-B2D7-7C2E9A889C0F}" type="datetimeFigureOut">
               <a:rPr lang="en-US" smtClean="0"/>
-              <a:t>6/23/2022</a:t>
+              <a:t>6/29/2022</a:t>
             </a:fld>
             <a:endParaRPr lang="en-US"/>
           </a:p>
@@ -2690,7 +2690,7 @@
           <a:p>
             <a:fld id="{F8166F1F-CE9B-4651-A6AA-CD717754106B}" type="datetimeFigureOut">
               <a:rPr lang="en-US" smtClean="0"/>
-              <a:t>6/23/2022</a:t>
+              <a:t>6/29/2022</a:t>
             </a:fld>
             <a:endParaRPr lang="en-US"/>
           </a:p>
@@ -4758,7 +4758,7 @@
         </p:blipFill>
         <p:spPr>
           <a:xfrm>
-            <a:off x="1688039" y="2036249"/>
+            <a:off x="1173332" y="2082853"/>
             <a:ext cx="2155100" cy="1165062"/>
           </a:xfrm>
           <a:prstGeom prst="rect">
